--- a/images/hic_method_summary.pptx
+++ b/images/hic_method_summary.pptx
@@ -104,6 +104,11 @@
       </a:defRPr>
     </a:lvl9pPr>
   </p:defaultTextStyle>
+  <p:extLst>
+    <p:ext uri="{EFAFB233-063F-42B5-8137-9DF3F51BA10A}">
+      <p15:sldGuideLst xmlns:p15="http://schemas.microsoft.com/office/powerpoint/2012/main"/>
+    </p:ext>
+  </p:extLst>
 </p:presentation>
 </file>
 
@@ -238,7 +243,7 @@
           <a:p>
             <a:fld id="{746BA699-120F-CA4B-811B-D17551A8F0E8}" type="datetimeFigureOut">
               <a:rPr lang="en-US" smtClean="0"/>
-              <a:t>11/14/24</a:t>
+              <a:t>3/3/25</a:t>
             </a:fld>
             <a:endParaRPr lang="en-US"/>
           </a:p>
@@ -408,7 +413,7 @@
           <a:p>
             <a:fld id="{746BA699-120F-CA4B-811B-D17551A8F0E8}" type="datetimeFigureOut">
               <a:rPr lang="en-US" smtClean="0"/>
-              <a:t>11/14/24</a:t>
+              <a:t>3/3/25</a:t>
             </a:fld>
             <a:endParaRPr lang="en-US"/>
           </a:p>
@@ -588,7 +593,7 @@
           <a:p>
             <a:fld id="{746BA699-120F-CA4B-811B-D17551A8F0E8}" type="datetimeFigureOut">
               <a:rPr lang="en-US" smtClean="0"/>
-              <a:t>11/14/24</a:t>
+              <a:t>3/3/25</a:t>
             </a:fld>
             <a:endParaRPr lang="en-US"/>
           </a:p>
@@ -758,7 +763,7 @@
           <a:p>
             <a:fld id="{746BA699-120F-CA4B-811B-D17551A8F0E8}" type="datetimeFigureOut">
               <a:rPr lang="en-US" smtClean="0"/>
-              <a:t>11/14/24</a:t>
+              <a:t>3/3/25</a:t>
             </a:fld>
             <a:endParaRPr lang="en-US"/>
           </a:p>
@@ -1004,7 +1009,7 @@
           <a:p>
             <a:fld id="{746BA699-120F-CA4B-811B-D17551A8F0E8}" type="datetimeFigureOut">
               <a:rPr lang="en-US" smtClean="0"/>
-              <a:t>11/14/24</a:t>
+              <a:t>3/3/25</a:t>
             </a:fld>
             <a:endParaRPr lang="en-US"/>
           </a:p>
@@ -1236,7 +1241,7 @@
           <a:p>
             <a:fld id="{746BA699-120F-CA4B-811B-D17551A8F0E8}" type="datetimeFigureOut">
               <a:rPr lang="en-US" smtClean="0"/>
-              <a:t>11/14/24</a:t>
+              <a:t>3/3/25</a:t>
             </a:fld>
             <a:endParaRPr lang="en-US"/>
           </a:p>
@@ -1603,7 +1608,7 @@
           <a:p>
             <a:fld id="{746BA699-120F-CA4B-811B-D17551A8F0E8}" type="datetimeFigureOut">
               <a:rPr lang="en-US" smtClean="0"/>
-              <a:t>11/14/24</a:t>
+              <a:t>3/3/25</a:t>
             </a:fld>
             <a:endParaRPr lang="en-US"/>
           </a:p>
@@ -1721,7 +1726,7 @@
           <a:p>
             <a:fld id="{746BA699-120F-CA4B-811B-D17551A8F0E8}" type="datetimeFigureOut">
               <a:rPr lang="en-US" smtClean="0"/>
-              <a:t>11/14/24</a:t>
+              <a:t>3/3/25</a:t>
             </a:fld>
             <a:endParaRPr lang="en-US"/>
           </a:p>
@@ -1816,7 +1821,7 @@
           <a:p>
             <a:fld id="{746BA699-120F-CA4B-811B-D17551A8F0E8}" type="datetimeFigureOut">
               <a:rPr lang="en-US" smtClean="0"/>
-              <a:t>11/14/24</a:t>
+              <a:t>3/3/25</a:t>
             </a:fld>
             <a:endParaRPr lang="en-US"/>
           </a:p>
@@ -2093,7 +2098,7 @@
           <a:p>
             <a:fld id="{746BA699-120F-CA4B-811B-D17551A8F0E8}" type="datetimeFigureOut">
               <a:rPr lang="en-US" smtClean="0"/>
-              <a:t>11/14/24</a:t>
+              <a:t>3/3/25</a:t>
             </a:fld>
             <a:endParaRPr lang="en-US"/>
           </a:p>
@@ -2350,7 +2355,7 @@
           <a:p>
             <a:fld id="{746BA699-120F-CA4B-811B-D17551A8F0E8}" type="datetimeFigureOut">
               <a:rPr lang="en-US" smtClean="0"/>
-              <a:t>11/14/24</a:t>
+              <a:t>3/3/25</a:t>
             </a:fld>
             <a:endParaRPr lang="en-US"/>
           </a:p>
@@ -2563,7 +2568,7 @@
           <a:p>
             <a:fld id="{746BA699-120F-CA4B-811B-D17551A8F0E8}" type="datetimeFigureOut">
               <a:rPr lang="en-US" smtClean="0"/>
-              <a:t>11/14/24</a:t>
+              <a:t>3/3/25</a:t>
             </a:fld>
             <a:endParaRPr lang="en-US"/>
           </a:p>
@@ -2982,8 +2987,8 @@
         </p:nvSpPr>
         <p:spPr>
           <a:xfrm>
-            <a:off x="58812" y="-7478"/>
-            <a:ext cx="1556325" cy="646331"/>
+            <a:off x="176197" y="-7478"/>
+            <a:ext cx="1556325" cy="584775"/>
           </a:xfrm>
           <a:prstGeom prst="rect">
             <a:avLst/>
@@ -2998,7 +3003,7 @@
           <a:p>
             <a:pPr algn="ctr"/>
             <a:r>
-              <a:rPr lang="en-US" dirty="0"/>
+              <a:rPr lang="en-US" sz="1600" dirty="0"/>
               <a:t>DNA-protein cross-linking</a:t>
             </a:r>
           </a:p>
@@ -3018,8 +3023,8 @@
         </p:nvSpPr>
         <p:spPr>
           <a:xfrm>
-            <a:off x="3517024" y="809"/>
-            <a:ext cx="1593150" cy="646331"/>
+            <a:off x="3225261" y="809"/>
+            <a:ext cx="1593150" cy="584775"/>
           </a:xfrm>
           <a:prstGeom prst="rect">
             <a:avLst/>
@@ -3034,14 +3039,14 @@
           <a:p>
             <a:pPr algn="ctr"/>
             <a:r>
-              <a:rPr lang="en-US" dirty="0"/>
+              <a:rPr lang="en-US" sz="1600" dirty="0"/>
               <a:t>Proximity</a:t>
             </a:r>
           </a:p>
           <a:p>
             <a:pPr algn="ctr"/>
             <a:r>
-              <a:rPr lang="en-US" dirty="0"/>
+              <a:rPr lang="en-US" sz="1600" dirty="0"/>
               <a:t>ligation</a:t>
             </a:r>
           </a:p>
@@ -3061,8 +3066,8 @@
         </p:nvSpPr>
         <p:spPr>
           <a:xfrm>
-            <a:off x="5456031" y="0"/>
-            <a:ext cx="1697116" cy="646331"/>
+            <a:off x="4726413" y="0"/>
+            <a:ext cx="1697116" cy="584775"/>
           </a:xfrm>
           <a:prstGeom prst="rect">
             <a:avLst/>
@@ -3077,7 +3082,7 @@
           <a:p>
             <a:pPr algn="ctr"/>
             <a:r>
-              <a:rPr lang="en-US" dirty="0"/>
+              <a:rPr lang="en-US" sz="1600" dirty="0"/>
               <a:t>Concatemer sequencing</a:t>
             </a:r>
           </a:p>
@@ -3097,7 +3102,7 @@
         </p:nvGrpSpPr>
         <p:grpSpPr>
           <a:xfrm>
-            <a:off x="195310" y="599948"/>
+            <a:off x="312695" y="599948"/>
             <a:ext cx="1192022" cy="1128642"/>
             <a:chOff x="912146" y="2070007"/>
             <a:chExt cx="1472327" cy="1394044"/>
@@ -4110,7 +4115,7 @@
         </p:nvGrpSpPr>
         <p:grpSpPr>
           <a:xfrm>
-            <a:off x="1861882" y="433733"/>
+            <a:off x="1830987" y="433733"/>
             <a:ext cx="1479177" cy="1410883"/>
             <a:chOff x="2970614" y="1864706"/>
             <a:chExt cx="1827007" cy="1742654"/>
@@ -5435,7 +5440,7 @@
         </p:nvGrpSpPr>
         <p:grpSpPr>
           <a:xfrm>
-            <a:off x="3749489" y="658444"/>
+            <a:off x="3457726" y="658444"/>
             <a:ext cx="1073861" cy="1091081"/>
             <a:chOff x="5302095" y="2142258"/>
             <a:chExt cx="1326381" cy="1347650"/>
@@ -7611,684 +7616,6 @@
           </p:txBody>
         </p:sp>
       </p:grpSp>
-      <p:grpSp>
-        <p:nvGrpSpPr>
-          <p:cNvPr id="61" name="Group 60">
-            <a:extLst>
-              <a:ext uri="{FF2B5EF4-FFF2-40B4-BE49-F238E27FC236}">
-                <a16:creationId xmlns:a16="http://schemas.microsoft.com/office/drawing/2014/main" id="{B911E6DD-2F9D-EF38-4233-05280F199A7A}"/>
-              </a:ext>
-            </a:extLst>
-          </p:cNvPr>
-          <p:cNvGrpSpPr/>
-          <p:nvPr/>
-        </p:nvGrpSpPr>
-        <p:grpSpPr>
-          <a:xfrm>
-            <a:off x="5799570" y="740139"/>
-            <a:ext cx="1222913" cy="838675"/>
-            <a:chOff x="7870783" y="2227080"/>
-            <a:chExt cx="1510482" cy="1035891"/>
-          </a:xfrm>
-        </p:grpSpPr>
-        <p:cxnSp>
-          <p:nvCxnSpPr>
-            <p:cNvPr id="62" name="Straight Connector 61">
-              <a:extLst>
-                <a:ext uri="{FF2B5EF4-FFF2-40B4-BE49-F238E27FC236}">
-                  <a16:creationId xmlns:a16="http://schemas.microsoft.com/office/drawing/2014/main" id="{3B750BE5-FBFF-73B9-3FB5-81F1A4E7BEAD}"/>
-                </a:ext>
-              </a:extLst>
-            </p:cNvPr>
-            <p:cNvCxnSpPr/>
-            <p:nvPr/>
-          </p:nvCxnSpPr>
-          <p:spPr>
-            <a:xfrm>
-              <a:off x="7870783" y="2284963"/>
-              <a:ext cx="503494" cy="0"/>
-            </a:xfrm>
-            <a:prstGeom prst="line">
-              <a:avLst/>
-            </a:prstGeom>
-            <a:ln w="28575">
-              <a:solidFill>
-                <a:srgbClr val="FFC000"/>
-              </a:solidFill>
-            </a:ln>
-          </p:spPr>
-          <p:style>
-            <a:lnRef idx="1">
-              <a:schemeClr val="accent1"/>
-            </a:lnRef>
-            <a:fillRef idx="0">
-              <a:schemeClr val="accent1"/>
-            </a:fillRef>
-            <a:effectRef idx="0">
-              <a:schemeClr val="accent1"/>
-            </a:effectRef>
-            <a:fontRef idx="minor">
-              <a:schemeClr val="tx1"/>
-            </a:fontRef>
-          </p:style>
-        </p:cxnSp>
-        <p:cxnSp>
-          <p:nvCxnSpPr>
-            <p:cNvPr id="63" name="Straight Connector 62">
-              <a:extLst>
-                <a:ext uri="{FF2B5EF4-FFF2-40B4-BE49-F238E27FC236}">
-                  <a16:creationId xmlns:a16="http://schemas.microsoft.com/office/drawing/2014/main" id="{F3204965-1B77-64CB-C026-91E0BC657B28}"/>
-                </a:ext>
-              </a:extLst>
-            </p:cNvPr>
-            <p:cNvCxnSpPr/>
-            <p:nvPr/>
-          </p:nvCxnSpPr>
-          <p:spPr>
-            <a:xfrm>
-              <a:off x="8374277" y="2284963"/>
-              <a:ext cx="503494" cy="0"/>
-            </a:xfrm>
-            <a:prstGeom prst="line">
-              <a:avLst/>
-            </a:prstGeom>
-            <a:ln w="28575">
-              <a:solidFill>
-                <a:srgbClr val="FF0000"/>
-              </a:solidFill>
-            </a:ln>
-          </p:spPr>
-          <p:style>
-            <a:lnRef idx="1">
-              <a:schemeClr val="accent1"/>
-            </a:lnRef>
-            <a:fillRef idx="0">
-              <a:schemeClr val="accent1"/>
-            </a:fillRef>
-            <a:effectRef idx="0">
-              <a:schemeClr val="accent1"/>
-            </a:effectRef>
-            <a:fontRef idx="minor">
-              <a:schemeClr val="tx1"/>
-            </a:fontRef>
-          </p:style>
-        </p:cxnSp>
-        <p:cxnSp>
-          <p:nvCxnSpPr>
-            <p:cNvPr id="64" name="Straight Connector 63">
-              <a:extLst>
-                <a:ext uri="{FF2B5EF4-FFF2-40B4-BE49-F238E27FC236}">
-                  <a16:creationId xmlns:a16="http://schemas.microsoft.com/office/drawing/2014/main" id="{6CB3049E-98DA-A0D2-D449-CA4852C4140D}"/>
-                </a:ext>
-              </a:extLst>
-            </p:cNvPr>
-            <p:cNvCxnSpPr/>
-            <p:nvPr/>
-          </p:nvCxnSpPr>
-          <p:spPr>
-            <a:xfrm>
-              <a:off x="8877771" y="2284963"/>
-              <a:ext cx="503494" cy="0"/>
-            </a:xfrm>
-            <a:prstGeom prst="line">
-              <a:avLst/>
-            </a:prstGeom>
-            <a:ln w="28575"/>
-          </p:spPr>
-          <p:style>
-            <a:lnRef idx="1">
-              <a:schemeClr val="accent1"/>
-            </a:lnRef>
-            <a:fillRef idx="0">
-              <a:schemeClr val="accent1"/>
-            </a:fillRef>
-            <a:effectRef idx="0">
-              <a:schemeClr val="accent1"/>
-            </a:effectRef>
-            <a:fontRef idx="minor">
-              <a:schemeClr val="tx1"/>
-            </a:fontRef>
-          </p:style>
-        </p:cxnSp>
-        <p:cxnSp>
-          <p:nvCxnSpPr>
-            <p:cNvPr id="65" name="Straight Connector 64">
-              <a:extLst>
-                <a:ext uri="{FF2B5EF4-FFF2-40B4-BE49-F238E27FC236}">
-                  <a16:creationId xmlns:a16="http://schemas.microsoft.com/office/drawing/2014/main" id="{3F66A669-E8E1-85AF-EC07-0254C2B167B8}"/>
-                </a:ext>
-              </a:extLst>
-            </p:cNvPr>
-            <p:cNvCxnSpPr/>
-            <p:nvPr/>
-          </p:nvCxnSpPr>
-          <p:spPr>
-            <a:xfrm>
-              <a:off x="7870783" y="2521758"/>
-              <a:ext cx="503494" cy="0"/>
-            </a:xfrm>
-            <a:prstGeom prst="line">
-              <a:avLst/>
-            </a:prstGeom>
-            <a:ln w="28575">
-              <a:solidFill>
-                <a:srgbClr val="0070C0"/>
-              </a:solidFill>
-            </a:ln>
-          </p:spPr>
-          <p:style>
-            <a:lnRef idx="1">
-              <a:schemeClr val="accent1"/>
-            </a:lnRef>
-            <a:fillRef idx="0">
-              <a:schemeClr val="accent1"/>
-            </a:fillRef>
-            <a:effectRef idx="0">
-              <a:schemeClr val="accent1"/>
-            </a:effectRef>
-            <a:fontRef idx="minor">
-              <a:schemeClr val="tx1"/>
-            </a:fontRef>
-          </p:style>
-        </p:cxnSp>
-        <p:cxnSp>
-          <p:nvCxnSpPr>
-            <p:cNvPr id="66" name="Straight Connector 65">
-              <a:extLst>
-                <a:ext uri="{FF2B5EF4-FFF2-40B4-BE49-F238E27FC236}">
-                  <a16:creationId xmlns:a16="http://schemas.microsoft.com/office/drawing/2014/main" id="{19152386-F6FF-F80F-8A21-6E2760D08CBA}"/>
-                </a:ext>
-              </a:extLst>
-            </p:cNvPr>
-            <p:cNvCxnSpPr/>
-            <p:nvPr/>
-          </p:nvCxnSpPr>
-          <p:spPr>
-            <a:xfrm>
-              <a:off x="8374277" y="2521758"/>
-              <a:ext cx="503494" cy="0"/>
-            </a:xfrm>
-            <a:prstGeom prst="line">
-              <a:avLst/>
-            </a:prstGeom>
-            <a:ln w="28575">
-              <a:solidFill>
-                <a:srgbClr val="00B0F0"/>
-              </a:solidFill>
-            </a:ln>
-          </p:spPr>
-          <p:style>
-            <a:lnRef idx="1">
-              <a:schemeClr val="accent1"/>
-            </a:lnRef>
-            <a:fillRef idx="0">
-              <a:schemeClr val="accent1"/>
-            </a:fillRef>
-            <a:effectRef idx="0">
-              <a:schemeClr val="accent1"/>
-            </a:effectRef>
-            <a:fontRef idx="minor">
-              <a:schemeClr val="tx1"/>
-            </a:fontRef>
-          </p:style>
-        </p:cxnSp>
-        <p:cxnSp>
-          <p:nvCxnSpPr>
-            <p:cNvPr id="67" name="Straight Connector 66">
-              <a:extLst>
-                <a:ext uri="{FF2B5EF4-FFF2-40B4-BE49-F238E27FC236}">
-                  <a16:creationId xmlns:a16="http://schemas.microsoft.com/office/drawing/2014/main" id="{7BF7BB13-3303-F904-8596-7B08EE3C3CF5}"/>
-                </a:ext>
-              </a:extLst>
-            </p:cNvPr>
-            <p:cNvCxnSpPr/>
-            <p:nvPr/>
-          </p:nvCxnSpPr>
-          <p:spPr>
-            <a:xfrm>
-              <a:off x="7870783" y="2761262"/>
-              <a:ext cx="503494" cy="0"/>
-            </a:xfrm>
-            <a:prstGeom prst="line">
-              <a:avLst/>
-            </a:prstGeom>
-            <a:ln w="28575">
-              <a:solidFill>
-                <a:srgbClr val="00B0F0"/>
-              </a:solidFill>
-            </a:ln>
-          </p:spPr>
-          <p:style>
-            <a:lnRef idx="1">
-              <a:schemeClr val="accent1"/>
-            </a:lnRef>
-            <a:fillRef idx="0">
-              <a:schemeClr val="accent1"/>
-            </a:fillRef>
-            <a:effectRef idx="0">
-              <a:schemeClr val="accent1"/>
-            </a:effectRef>
-            <a:fontRef idx="minor">
-              <a:schemeClr val="tx1"/>
-            </a:fontRef>
-          </p:style>
-        </p:cxnSp>
-        <p:cxnSp>
-          <p:nvCxnSpPr>
-            <p:cNvPr id="68" name="Straight Connector 67">
-              <a:extLst>
-                <a:ext uri="{FF2B5EF4-FFF2-40B4-BE49-F238E27FC236}">
-                  <a16:creationId xmlns:a16="http://schemas.microsoft.com/office/drawing/2014/main" id="{9DFE90BB-0506-BF25-F306-4839A4B01A71}"/>
-                </a:ext>
-              </a:extLst>
-            </p:cNvPr>
-            <p:cNvCxnSpPr/>
-            <p:nvPr/>
-          </p:nvCxnSpPr>
-          <p:spPr>
-            <a:xfrm>
-              <a:off x="8374277" y="2761262"/>
-              <a:ext cx="503494" cy="0"/>
-            </a:xfrm>
-            <a:prstGeom prst="line">
-              <a:avLst/>
-            </a:prstGeom>
-            <a:ln w="28575">
-              <a:solidFill>
-                <a:srgbClr val="00B050"/>
-              </a:solidFill>
-            </a:ln>
-          </p:spPr>
-          <p:style>
-            <a:lnRef idx="1">
-              <a:schemeClr val="accent1"/>
-            </a:lnRef>
-            <a:fillRef idx="0">
-              <a:schemeClr val="accent1"/>
-            </a:fillRef>
-            <a:effectRef idx="0">
-              <a:schemeClr val="accent1"/>
-            </a:effectRef>
-            <a:fontRef idx="minor">
-              <a:schemeClr val="tx1"/>
-            </a:fontRef>
-          </p:style>
-        </p:cxnSp>
-        <p:cxnSp>
-          <p:nvCxnSpPr>
-            <p:cNvPr id="69" name="Straight Connector 68">
-              <a:extLst>
-                <a:ext uri="{FF2B5EF4-FFF2-40B4-BE49-F238E27FC236}">
-                  <a16:creationId xmlns:a16="http://schemas.microsoft.com/office/drawing/2014/main" id="{5618D1A8-A1C6-D29B-743F-E0A6DE1E34C8}"/>
-                </a:ext>
-              </a:extLst>
-            </p:cNvPr>
-            <p:cNvCxnSpPr/>
-            <p:nvPr/>
-          </p:nvCxnSpPr>
-          <p:spPr>
-            <a:xfrm>
-              <a:off x="7870783" y="3008950"/>
-              <a:ext cx="503494" cy="0"/>
-            </a:xfrm>
-            <a:prstGeom prst="line">
-              <a:avLst/>
-            </a:prstGeom>
-            <a:ln w="28575">
-              <a:solidFill>
-                <a:srgbClr val="00B050"/>
-              </a:solidFill>
-            </a:ln>
-          </p:spPr>
-          <p:style>
-            <a:lnRef idx="1">
-              <a:schemeClr val="accent1"/>
-            </a:lnRef>
-            <a:fillRef idx="0">
-              <a:schemeClr val="accent1"/>
-            </a:fillRef>
-            <a:effectRef idx="0">
-              <a:schemeClr val="accent1"/>
-            </a:effectRef>
-            <a:fontRef idx="minor">
-              <a:schemeClr val="tx1"/>
-            </a:fontRef>
-          </p:style>
-        </p:cxnSp>
-        <p:cxnSp>
-          <p:nvCxnSpPr>
-            <p:cNvPr id="70" name="Straight Connector 69">
-              <a:extLst>
-                <a:ext uri="{FF2B5EF4-FFF2-40B4-BE49-F238E27FC236}">
-                  <a16:creationId xmlns:a16="http://schemas.microsoft.com/office/drawing/2014/main" id="{0B602EA9-94CF-FB75-CB09-25431F70EDE6}"/>
-                </a:ext>
-              </a:extLst>
-            </p:cNvPr>
-            <p:cNvCxnSpPr/>
-            <p:nvPr/>
-          </p:nvCxnSpPr>
-          <p:spPr>
-            <a:xfrm>
-              <a:off x="8374277" y="3008950"/>
-              <a:ext cx="503494" cy="0"/>
-            </a:xfrm>
-            <a:prstGeom prst="line">
-              <a:avLst/>
-            </a:prstGeom>
-            <a:ln w="28575">
-              <a:solidFill>
-                <a:srgbClr val="92D050"/>
-              </a:solidFill>
-            </a:ln>
-          </p:spPr>
-          <p:style>
-            <a:lnRef idx="1">
-              <a:schemeClr val="accent1"/>
-            </a:lnRef>
-            <a:fillRef idx="0">
-              <a:schemeClr val="accent1"/>
-            </a:fillRef>
-            <a:effectRef idx="0">
-              <a:schemeClr val="accent1"/>
-            </a:effectRef>
-            <a:fontRef idx="minor">
-              <a:schemeClr val="tx1"/>
-            </a:fontRef>
-          </p:style>
-        </p:cxnSp>
-        <p:cxnSp>
-          <p:nvCxnSpPr>
-            <p:cNvPr id="71" name="Straight Connector 70">
-              <a:extLst>
-                <a:ext uri="{FF2B5EF4-FFF2-40B4-BE49-F238E27FC236}">
-                  <a16:creationId xmlns:a16="http://schemas.microsoft.com/office/drawing/2014/main" id="{B47E920D-6300-0E52-EE28-8A2CBE81F72F}"/>
-                </a:ext>
-              </a:extLst>
-            </p:cNvPr>
-            <p:cNvCxnSpPr/>
-            <p:nvPr/>
-          </p:nvCxnSpPr>
-          <p:spPr>
-            <a:xfrm>
-              <a:off x="7870783" y="3262971"/>
-              <a:ext cx="503494" cy="0"/>
-            </a:xfrm>
-            <a:prstGeom prst="line">
-              <a:avLst/>
-            </a:prstGeom>
-            <a:ln w="28575">
-              <a:solidFill>
-                <a:srgbClr val="92D050"/>
-              </a:solidFill>
-            </a:ln>
-          </p:spPr>
-          <p:style>
-            <a:lnRef idx="1">
-              <a:schemeClr val="accent1"/>
-            </a:lnRef>
-            <a:fillRef idx="0">
-              <a:schemeClr val="accent1"/>
-            </a:fillRef>
-            <a:effectRef idx="0">
-              <a:schemeClr val="accent1"/>
-            </a:effectRef>
-            <a:fontRef idx="minor">
-              <a:schemeClr val="tx1"/>
-            </a:fontRef>
-          </p:style>
-        </p:cxnSp>
-        <p:cxnSp>
-          <p:nvCxnSpPr>
-            <p:cNvPr id="72" name="Straight Connector 71">
-              <a:extLst>
-                <a:ext uri="{FF2B5EF4-FFF2-40B4-BE49-F238E27FC236}">
-                  <a16:creationId xmlns:a16="http://schemas.microsoft.com/office/drawing/2014/main" id="{1012E52F-C0A4-93B9-B32A-280A897D824A}"/>
-                </a:ext>
-              </a:extLst>
-            </p:cNvPr>
-            <p:cNvCxnSpPr/>
-            <p:nvPr/>
-          </p:nvCxnSpPr>
-          <p:spPr>
-            <a:xfrm>
-              <a:off x="8374277" y="3262971"/>
-              <a:ext cx="503494" cy="0"/>
-            </a:xfrm>
-            <a:prstGeom prst="line">
-              <a:avLst/>
-            </a:prstGeom>
-            <a:ln w="28575">
-              <a:solidFill>
-                <a:srgbClr val="FFC000"/>
-              </a:solidFill>
-            </a:ln>
-          </p:spPr>
-          <p:style>
-            <a:lnRef idx="1">
-              <a:schemeClr val="accent1"/>
-            </a:lnRef>
-            <a:fillRef idx="0">
-              <a:schemeClr val="accent1"/>
-            </a:fillRef>
-            <a:effectRef idx="0">
-              <a:schemeClr val="accent1"/>
-            </a:effectRef>
-            <a:fontRef idx="minor">
-              <a:schemeClr val="tx1"/>
-            </a:fontRef>
-          </p:style>
-        </p:cxnSp>
-        <p:cxnSp>
-          <p:nvCxnSpPr>
-            <p:cNvPr id="73" name="Straight Arrow Connector 72">
-              <a:extLst>
-                <a:ext uri="{FF2B5EF4-FFF2-40B4-BE49-F238E27FC236}">
-                  <a16:creationId xmlns:a16="http://schemas.microsoft.com/office/drawing/2014/main" id="{5C5B9518-FBD7-40A2-5CE7-8EF26A04EC92}"/>
-                </a:ext>
-              </a:extLst>
-            </p:cNvPr>
-            <p:cNvCxnSpPr/>
-            <p:nvPr/>
-          </p:nvCxnSpPr>
-          <p:spPr>
-            <a:xfrm>
-              <a:off x="7870783" y="2227080"/>
-              <a:ext cx="284425" cy="0"/>
-            </a:xfrm>
-            <a:prstGeom prst="straightConnector1">
-              <a:avLst/>
-            </a:prstGeom>
-            <a:ln>
-              <a:solidFill>
-                <a:schemeClr val="tx1"/>
-              </a:solidFill>
-              <a:tailEnd type="triangle"/>
-            </a:ln>
-          </p:spPr>
-          <p:style>
-            <a:lnRef idx="1">
-              <a:schemeClr val="accent1"/>
-            </a:lnRef>
-            <a:fillRef idx="0">
-              <a:schemeClr val="accent1"/>
-            </a:fillRef>
-            <a:effectRef idx="0">
-              <a:schemeClr val="accent1"/>
-            </a:effectRef>
-            <a:fontRef idx="minor">
-              <a:schemeClr val="tx1"/>
-            </a:fontRef>
-          </p:style>
-        </p:cxnSp>
-        <p:cxnSp>
-          <p:nvCxnSpPr>
-            <p:cNvPr id="74" name="Straight Arrow Connector 73">
-              <a:extLst>
-                <a:ext uri="{FF2B5EF4-FFF2-40B4-BE49-F238E27FC236}">
-                  <a16:creationId xmlns:a16="http://schemas.microsoft.com/office/drawing/2014/main" id="{9CD86142-60AA-79CC-85FB-4A016B1107B0}"/>
-                </a:ext>
-              </a:extLst>
-            </p:cNvPr>
-            <p:cNvCxnSpPr/>
-            <p:nvPr/>
-          </p:nvCxnSpPr>
-          <p:spPr>
-            <a:xfrm>
-              <a:off x="7870783" y="2474486"/>
-              <a:ext cx="284425" cy="0"/>
-            </a:xfrm>
-            <a:prstGeom prst="straightConnector1">
-              <a:avLst/>
-            </a:prstGeom>
-            <a:ln>
-              <a:solidFill>
-                <a:schemeClr val="tx1"/>
-              </a:solidFill>
-              <a:tailEnd type="triangle"/>
-            </a:ln>
-          </p:spPr>
-          <p:style>
-            <a:lnRef idx="1">
-              <a:schemeClr val="accent1"/>
-            </a:lnRef>
-            <a:fillRef idx="0">
-              <a:schemeClr val="accent1"/>
-            </a:fillRef>
-            <a:effectRef idx="0">
-              <a:schemeClr val="accent1"/>
-            </a:effectRef>
-            <a:fontRef idx="minor">
-              <a:schemeClr val="tx1"/>
-            </a:fontRef>
-          </p:style>
-        </p:cxnSp>
-        <p:cxnSp>
-          <p:nvCxnSpPr>
-            <p:cNvPr id="75" name="Straight Arrow Connector 74">
-              <a:extLst>
-                <a:ext uri="{FF2B5EF4-FFF2-40B4-BE49-F238E27FC236}">
-                  <a16:creationId xmlns:a16="http://schemas.microsoft.com/office/drawing/2014/main" id="{06CD78C7-4C56-41BE-C8DE-5EBF50D877DD}"/>
-                </a:ext>
-              </a:extLst>
-            </p:cNvPr>
-            <p:cNvCxnSpPr/>
-            <p:nvPr/>
-          </p:nvCxnSpPr>
-          <p:spPr>
-            <a:xfrm>
-              <a:off x="7870783" y="2703450"/>
-              <a:ext cx="284425" cy="0"/>
-            </a:xfrm>
-            <a:prstGeom prst="straightConnector1">
-              <a:avLst/>
-            </a:prstGeom>
-            <a:ln>
-              <a:solidFill>
-                <a:schemeClr val="tx1"/>
-              </a:solidFill>
-              <a:tailEnd type="triangle"/>
-            </a:ln>
-          </p:spPr>
-          <p:style>
-            <a:lnRef idx="1">
-              <a:schemeClr val="accent1"/>
-            </a:lnRef>
-            <a:fillRef idx="0">
-              <a:schemeClr val="accent1"/>
-            </a:fillRef>
-            <a:effectRef idx="0">
-              <a:schemeClr val="accent1"/>
-            </a:effectRef>
-            <a:fontRef idx="minor">
-              <a:schemeClr val="tx1"/>
-            </a:fontRef>
-          </p:style>
-        </p:cxnSp>
-        <p:cxnSp>
-          <p:nvCxnSpPr>
-            <p:cNvPr id="76" name="Straight Arrow Connector 75">
-              <a:extLst>
-                <a:ext uri="{FF2B5EF4-FFF2-40B4-BE49-F238E27FC236}">
-                  <a16:creationId xmlns:a16="http://schemas.microsoft.com/office/drawing/2014/main" id="{42DE7D58-ABBC-B597-F053-6618EB3AA1B2}"/>
-                </a:ext>
-              </a:extLst>
-            </p:cNvPr>
-            <p:cNvCxnSpPr/>
-            <p:nvPr/>
-          </p:nvCxnSpPr>
-          <p:spPr>
-            <a:xfrm>
-              <a:off x="7870783" y="2952578"/>
-              <a:ext cx="284425" cy="0"/>
-            </a:xfrm>
-            <a:prstGeom prst="straightConnector1">
-              <a:avLst/>
-            </a:prstGeom>
-            <a:ln>
-              <a:solidFill>
-                <a:schemeClr val="tx1"/>
-              </a:solidFill>
-              <a:tailEnd type="triangle"/>
-            </a:ln>
-          </p:spPr>
-          <p:style>
-            <a:lnRef idx="1">
-              <a:schemeClr val="accent1"/>
-            </a:lnRef>
-            <a:fillRef idx="0">
-              <a:schemeClr val="accent1"/>
-            </a:fillRef>
-            <a:effectRef idx="0">
-              <a:schemeClr val="accent1"/>
-            </a:effectRef>
-            <a:fontRef idx="minor">
-              <a:schemeClr val="tx1"/>
-            </a:fontRef>
-          </p:style>
-        </p:cxnSp>
-        <p:cxnSp>
-          <p:nvCxnSpPr>
-            <p:cNvPr id="77" name="Straight Arrow Connector 76">
-              <a:extLst>
-                <a:ext uri="{FF2B5EF4-FFF2-40B4-BE49-F238E27FC236}">
-                  <a16:creationId xmlns:a16="http://schemas.microsoft.com/office/drawing/2014/main" id="{4AD702A0-9453-82CD-C953-B7921C6B1414}"/>
-                </a:ext>
-              </a:extLst>
-            </p:cNvPr>
-            <p:cNvCxnSpPr/>
-            <p:nvPr/>
-          </p:nvCxnSpPr>
-          <p:spPr>
-            <a:xfrm>
-              <a:off x="7870783" y="3208682"/>
-              <a:ext cx="284425" cy="0"/>
-            </a:xfrm>
-            <a:prstGeom prst="straightConnector1">
-              <a:avLst/>
-            </a:prstGeom>
-            <a:ln>
-              <a:solidFill>
-                <a:schemeClr val="tx1"/>
-              </a:solidFill>
-              <a:tailEnd type="triangle"/>
-            </a:ln>
-          </p:spPr>
-          <p:style>
-            <a:lnRef idx="1">
-              <a:schemeClr val="accent1"/>
-            </a:lnRef>
-            <a:fillRef idx="0">
-              <a:schemeClr val="accent1"/>
-            </a:fillRef>
-            <a:effectRef idx="0">
-              <a:schemeClr val="accent1"/>
-            </a:effectRef>
-            <a:fontRef idx="minor">
-              <a:schemeClr val="tx1"/>
-            </a:fontRef>
-          </p:style>
-        </p:cxnSp>
-      </p:grpSp>
       <p:sp>
         <p:nvSpPr>
           <p:cNvPr id="78" name="Right Arrow 77">
@@ -8303,7 +7630,7 @@
         </p:nvSpPr>
         <p:spPr>
           <a:xfrm>
-            <a:off x="1558041" y="990762"/>
+            <a:off x="1601285" y="990762"/>
             <a:ext cx="466124" cy="213301"/>
           </a:xfrm>
           <a:prstGeom prst="rightArrow">
@@ -8355,7 +7682,7 @@
         </p:nvSpPr>
         <p:spPr>
           <a:xfrm>
-            <a:off x="3135296" y="975136"/>
+            <a:off x="3062340" y="975136"/>
             <a:ext cx="466124" cy="213301"/>
           </a:xfrm>
           <a:prstGeom prst="rightArrow">
@@ -8406,8 +7733,8 @@
           <p:nvPr/>
         </p:nvSpPr>
         <p:spPr>
-          <a:xfrm>
-            <a:off x="5072838" y="974723"/>
+          <a:xfrm rot="19800000">
+            <a:off x="4534455" y="820162"/>
             <a:ext cx="466124" cy="213301"/>
           </a:xfrm>
           <a:prstGeom prst="rightArrow">
@@ -8459,8 +7786,8 @@
         </p:nvSpPr>
         <p:spPr>
           <a:xfrm>
-            <a:off x="1699659" y="-3828"/>
-            <a:ext cx="1854486" cy="646331"/>
+            <a:off x="1668764" y="-3828"/>
+            <a:ext cx="1854486" cy="584775"/>
           </a:xfrm>
           <a:prstGeom prst="rect">
             <a:avLst/>
@@ -8475,16 +7802,834 @@
           <a:p>
             <a:pPr algn="ctr"/>
             <a:r>
-              <a:rPr lang="en-US" dirty="0"/>
+              <a:rPr lang="en-US" sz="1600" dirty="0"/>
               <a:t>Restriction</a:t>
             </a:r>
           </a:p>
           <a:p>
             <a:pPr algn="ctr"/>
             <a:r>
-              <a:rPr lang="en-US" dirty="0"/>
+              <a:rPr lang="en-US" sz="1600" dirty="0"/>
               <a:t>digestion</a:t>
             </a:r>
+          </a:p>
+        </p:txBody>
+      </p:sp>
+      <p:sp>
+        <p:nvSpPr>
+          <p:cNvPr id="2" name="TextBox 1">
+            <a:extLst>
+              <a:ext uri="{FF2B5EF4-FFF2-40B4-BE49-F238E27FC236}">
+                <a16:creationId xmlns:a16="http://schemas.microsoft.com/office/drawing/2014/main" id="{8E52FBF9-DE40-3987-E3E8-D5C84FD4561F}"/>
+              </a:ext>
+            </a:extLst>
+          </p:cNvPr>
+          <p:cNvSpPr txBox="1"/>
+          <p:nvPr/>
+        </p:nvSpPr>
+        <p:spPr>
+          <a:xfrm>
+            <a:off x="6234750" y="496184"/>
+            <a:ext cx="1052376" cy="584775"/>
+          </a:xfrm>
+          <a:prstGeom prst="rect">
+            <a:avLst/>
+          </a:prstGeom>
+          <a:noFill/>
+        </p:spPr>
+        <p:txBody>
+          <a:bodyPr wrap="square" rtlCol="0">
+            <a:spAutoFit/>
+          </a:bodyPr>
+          <a:lstStyle/>
+          <a:p>
+            <a:pPr algn="ctr"/>
+            <a:r>
+              <a:rPr lang="en-US" sz="1600" dirty="0"/>
+              <a:t>Illumina</a:t>
+            </a:r>
+          </a:p>
+          <a:p>
+            <a:pPr algn="ctr"/>
+            <a:r>
+              <a:rPr lang="en-US" sz="1600" dirty="0"/>
+              <a:t>Hi-C</a:t>
+            </a:r>
+          </a:p>
+        </p:txBody>
+      </p:sp>
+      <p:sp>
+        <p:nvSpPr>
+          <p:cNvPr id="3" name="TextBox 2">
+            <a:extLst>
+              <a:ext uri="{FF2B5EF4-FFF2-40B4-BE49-F238E27FC236}">
+                <a16:creationId xmlns:a16="http://schemas.microsoft.com/office/drawing/2014/main" id="{283E6900-6CFC-E1F8-116D-2B73A2A7E894}"/>
+              </a:ext>
+            </a:extLst>
+          </p:cNvPr>
+          <p:cNvSpPr txBox="1"/>
+          <p:nvPr/>
+        </p:nvSpPr>
+        <p:spPr>
+          <a:xfrm>
+            <a:off x="6227441" y="1217405"/>
+            <a:ext cx="1052376" cy="338554"/>
+          </a:xfrm>
+          <a:prstGeom prst="rect">
+            <a:avLst/>
+          </a:prstGeom>
+          <a:noFill/>
+        </p:spPr>
+        <p:txBody>
+          <a:bodyPr wrap="square" rtlCol="0">
+            <a:spAutoFit/>
+          </a:bodyPr>
+          <a:lstStyle/>
+          <a:p>
+            <a:pPr algn="ctr"/>
+            <a:r>
+              <a:rPr lang="en-US" sz="1600" dirty="0"/>
+              <a:t>Pore-C</a:t>
+            </a:r>
+          </a:p>
+        </p:txBody>
+      </p:sp>
+      <p:grpSp>
+        <p:nvGrpSpPr>
+          <p:cNvPr id="107" name="Group 106">
+            <a:extLst>
+              <a:ext uri="{FF2B5EF4-FFF2-40B4-BE49-F238E27FC236}">
+                <a16:creationId xmlns:a16="http://schemas.microsoft.com/office/drawing/2014/main" id="{977B5CDC-60AC-B80F-0D37-A5FCAFF8FA22}"/>
+              </a:ext>
+            </a:extLst>
+          </p:cNvPr>
+          <p:cNvGrpSpPr/>
+          <p:nvPr/>
+        </p:nvGrpSpPr>
+        <p:grpSpPr>
+          <a:xfrm>
+            <a:off x="5069551" y="685652"/>
+            <a:ext cx="1222914" cy="829083"/>
+            <a:chOff x="4802369" y="-1089981"/>
+            <a:chExt cx="1222914" cy="829083"/>
+          </a:xfrm>
+        </p:grpSpPr>
+        <p:cxnSp>
+          <p:nvCxnSpPr>
+            <p:cNvPr id="83" name="Straight Connector 82">
+              <a:extLst>
+                <a:ext uri="{FF2B5EF4-FFF2-40B4-BE49-F238E27FC236}">
+                  <a16:creationId xmlns:a16="http://schemas.microsoft.com/office/drawing/2014/main" id="{28233B06-0165-4490-89B7-4146854C95E9}"/>
+                </a:ext>
+              </a:extLst>
+            </p:cNvPr>
+            <p:cNvCxnSpPr/>
+            <p:nvPr/>
+          </p:nvCxnSpPr>
+          <p:spPr>
+            <a:xfrm>
+              <a:off x="4802370" y="-452611"/>
+              <a:ext cx="407638" cy="0"/>
+            </a:xfrm>
+            <a:prstGeom prst="line">
+              <a:avLst/>
+            </a:prstGeom>
+            <a:ln w="28575">
+              <a:solidFill>
+                <a:srgbClr val="FFC000"/>
+              </a:solidFill>
+            </a:ln>
+          </p:spPr>
+          <p:style>
+            <a:lnRef idx="1">
+              <a:schemeClr val="accent1"/>
+            </a:lnRef>
+            <a:fillRef idx="0">
+              <a:schemeClr val="accent1"/>
+            </a:fillRef>
+            <a:effectRef idx="0">
+              <a:schemeClr val="accent1"/>
+            </a:effectRef>
+            <a:fontRef idx="minor">
+              <a:schemeClr val="tx1"/>
+            </a:fontRef>
+          </p:style>
+        </p:cxnSp>
+        <p:cxnSp>
+          <p:nvCxnSpPr>
+            <p:cNvPr id="84" name="Straight Connector 83">
+              <a:extLst>
+                <a:ext uri="{FF2B5EF4-FFF2-40B4-BE49-F238E27FC236}">
+                  <a16:creationId xmlns:a16="http://schemas.microsoft.com/office/drawing/2014/main" id="{7FAE320B-489C-3182-5418-D847190F04D8}"/>
+                </a:ext>
+              </a:extLst>
+            </p:cNvPr>
+            <p:cNvCxnSpPr/>
+            <p:nvPr/>
+          </p:nvCxnSpPr>
+          <p:spPr>
+            <a:xfrm>
+              <a:off x="5210008" y="-452611"/>
+              <a:ext cx="407638" cy="0"/>
+            </a:xfrm>
+            <a:prstGeom prst="line">
+              <a:avLst/>
+            </a:prstGeom>
+            <a:ln w="28575">
+              <a:solidFill>
+                <a:srgbClr val="FF0000"/>
+              </a:solidFill>
+            </a:ln>
+          </p:spPr>
+          <p:style>
+            <a:lnRef idx="1">
+              <a:schemeClr val="accent1"/>
+            </a:lnRef>
+            <a:fillRef idx="0">
+              <a:schemeClr val="accent1"/>
+            </a:fillRef>
+            <a:effectRef idx="0">
+              <a:schemeClr val="accent1"/>
+            </a:effectRef>
+            <a:fontRef idx="minor">
+              <a:schemeClr val="tx1"/>
+            </a:fontRef>
+          </p:style>
+        </p:cxnSp>
+        <p:cxnSp>
+          <p:nvCxnSpPr>
+            <p:cNvPr id="85" name="Straight Connector 84">
+              <a:extLst>
+                <a:ext uri="{FF2B5EF4-FFF2-40B4-BE49-F238E27FC236}">
+                  <a16:creationId xmlns:a16="http://schemas.microsoft.com/office/drawing/2014/main" id="{FF8B4435-2402-0887-C3A2-A268DA40A3EC}"/>
+                </a:ext>
+              </a:extLst>
+            </p:cNvPr>
+            <p:cNvCxnSpPr/>
+            <p:nvPr/>
+          </p:nvCxnSpPr>
+          <p:spPr>
+            <a:xfrm>
+              <a:off x="5617645" y="-452611"/>
+              <a:ext cx="407638" cy="0"/>
+            </a:xfrm>
+            <a:prstGeom prst="line">
+              <a:avLst/>
+            </a:prstGeom>
+            <a:ln w="28575"/>
+          </p:spPr>
+          <p:style>
+            <a:lnRef idx="1">
+              <a:schemeClr val="accent1"/>
+            </a:lnRef>
+            <a:fillRef idx="0">
+              <a:schemeClr val="accent1"/>
+            </a:fillRef>
+            <a:effectRef idx="0">
+              <a:schemeClr val="accent1"/>
+            </a:effectRef>
+            <a:fontRef idx="minor">
+              <a:schemeClr val="tx1"/>
+            </a:fontRef>
+          </p:style>
+        </p:cxnSp>
+        <p:cxnSp>
+          <p:nvCxnSpPr>
+            <p:cNvPr id="86" name="Straight Connector 85">
+              <a:extLst>
+                <a:ext uri="{FF2B5EF4-FFF2-40B4-BE49-F238E27FC236}">
+                  <a16:creationId xmlns:a16="http://schemas.microsoft.com/office/drawing/2014/main" id="{4A19242F-93B7-A22F-A10E-9B139AF57540}"/>
+                </a:ext>
+              </a:extLst>
+            </p:cNvPr>
+            <p:cNvCxnSpPr/>
+            <p:nvPr/>
+          </p:nvCxnSpPr>
+          <p:spPr>
+            <a:xfrm>
+              <a:off x="4802370" y="-260898"/>
+              <a:ext cx="407638" cy="0"/>
+            </a:xfrm>
+            <a:prstGeom prst="line">
+              <a:avLst/>
+            </a:prstGeom>
+            <a:ln w="28575">
+              <a:solidFill>
+                <a:srgbClr val="0070C0"/>
+              </a:solidFill>
+            </a:ln>
+          </p:spPr>
+          <p:style>
+            <a:lnRef idx="1">
+              <a:schemeClr val="accent1"/>
+            </a:lnRef>
+            <a:fillRef idx="0">
+              <a:schemeClr val="accent1"/>
+            </a:fillRef>
+            <a:effectRef idx="0">
+              <a:schemeClr val="accent1"/>
+            </a:effectRef>
+            <a:fontRef idx="minor">
+              <a:schemeClr val="tx1"/>
+            </a:fontRef>
+          </p:style>
+        </p:cxnSp>
+        <p:cxnSp>
+          <p:nvCxnSpPr>
+            <p:cNvPr id="87" name="Straight Connector 86">
+              <a:extLst>
+                <a:ext uri="{FF2B5EF4-FFF2-40B4-BE49-F238E27FC236}">
+                  <a16:creationId xmlns:a16="http://schemas.microsoft.com/office/drawing/2014/main" id="{8B7CB296-DECF-44BE-7715-54D0AD2200AC}"/>
+                </a:ext>
+              </a:extLst>
+            </p:cNvPr>
+            <p:cNvCxnSpPr/>
+            <p:nvPr/>
+          </p:nvCxnSpPr>
+          <p:spPr>
+            <a:xfrm>
+              <a:off x="5210008" y="-260898"/>
+              <a:ext cx="407638" cy="0"/>
+            </a:xfrm>
+            <a:prstGeom prst="line">
+              <a:avLst/>
+            </a:prstGeom>
+            <a:ln w="28575">
+              <a:solidFill>
+                <a:srgbClr val="00B0F0"/>
+              </a:solidFill>
+            </a:ln>
+          </p:spPr>
+          <p:style>
+            <a:lnRef idx="1">
+              <a:schemeClr val="accent1"/>
+            </a:lnRef>
+            <a:fillRef idx="0">
+              <a:schemeClr val="accent1"/>
+            </a:fillRef>
+            <a:effectRef idx="0">
+              <a:schemeClr val="accent1"/>
+            </a:effectRef>
+            <a:fontRef idx="minor">
+              <a:schemeClr val="tx1"/>
+            </a:fontRef>
+          </p:style>
+        </p:cxnSp>
+        <p:cxnSp>
+          <p:nvCxnSpPr>
+            <p:cNvPr id="88" name="Straight Connector 87">
+              <a:extLst>
+                <a:ext uri="{FF2B5EF4-FFF2-40B4-BE49-F238E27FC236}">
+                  <a16:creationId xmlns:a16="http://schemas.microsoft.com/office/drawing/2014/main" id="{8B2E50EE-2FBB-C247-9534-779B5F36214A}"/>
+                </a:ext>
+              </a:extLst>
+            </p:cNvPr>
+            <p:cNvCxnSpPr/>
+            <p:nvPr/>
+          </p:nvCxnSpPr>
+          <p:spPr>
+            <a:xfrm>
+              <a:off x="4802369" y="-1043175"/>
+              <a:ext cx="407638" cy="0"/>
+            </a:xfrm>
+            <a:prstGeom prst="line">
+              <a:avLst/>
+            </a:prstGeom>
+            <a:ln w="28575">
+              <a:solidFill>
+                <a:srgbClr val="00B0F0"/>
+              </a:solidFill>
+            </a:ln>
+          </p:spPr>
+          <p:style>
+            <a:lnRef idx="1">
+              <a:schemeClr val="accent1"/>
+            </a:lnRef>
+            <a:fillRef idx="0">
+              <a:schemeClr val="accent1"/>
+            </a:fillRef>
+            <a:effectRef idx="0">
+              <a:schemeClr val="accent1"/>
+            </a:effectRef>
+            <a:fontRef idx="minor">
+              <a:schemeClr val="tx1"/>
+            </a:fontRef>
+          </p:style>
+        </p:cxnSp>
+        <p:cxnSp>
+          <p:nvCxnSpPr>
+            <p:cNvPr id="89" name="Straight Connector 88">
+              <a:extLst>
+                <a:ext uri="{FF2B5EF4-FFF2-40B4-BE49-F238E27FC236}">
+                  <a16:creationId xmlns:a16="http://schemas.microsoft.com/office/drawing/2014/main" id="{A7299283-1587-908C-BE2B-FC708AE556BA}"/>
+                </a:ext>
+              </a:extLst>
+            </p:cNvPr>
+            <p:cNvCxnSpPr/>
+            <p:nvPr/>
+          </p:nvCxnSpPr>
+          <p:spPr>
+            <a:xfrm>
+              <a:off x="5210007" y="-1043175"/>
+              <a:ext cx="407638" cy="0"/>
+            </a:xfrm>
+            <a:prstGeom prst="line">
+              <a:avLst/>
+            </a:prstGeom>
+            <a:ln w="28575">
+              <a:solidFill>
+                <a:srgbClr val="00B050"/>
+              </a:solidFill>
+            </a:ln>
+          </p:spPr>
+          <p:style>
+            <a:lnRef idx="1">
+              <a:schemeClr val="accent1"/>
+            </a:lnRef>
+            <a:fillRef idx="0">
+              <a:schemeClr val="accent1"/>
+            </a:fillRef>
+            <a:effectRef idx="0">
+              <a:schemeClr val="accent1"/>
+            </a:effectRef>
+            <a:fontRef idx="minor">
+              <a:schemeClr val="tx1"/>
+            </a:fontRef>
+          </p:style>
+        </p:cxnSp>
+        <p:cxnSp>
+          <p:nvCxnSpPr>
+            <p:cNvPr id="90" name="Straight Connector 89">
+              <a:extLst>
+                <a:ext uri="{FF2B5EF4-FFF2-40B4-BE49-F238E27FC236}">
+                  <a16:creationId xmlns:a16="http://schemas.microsoft.com/office/drawing/2014/main" id="{E04C1F0E-64E1-178E-6353-8DAF31A5E20E}"/>
+                </a:ext>
+              </a:extLst>
+            </p:cNvPr>
+            <p:cNvCxnSpPr/>
+            <p:nvPr/>
+          </p:nvCxnSpPr>
+          <p:spPr>
+            <a:xfrm>
+              <a:off x="4802369" y="-842643"/>
+              <a:ext cx="407638" cy="0"/>
+            </a:xfrm>
+            <a:prstGeom prst="line">
+              <a:avLst/>
+            </a:prstGeom>
+            <a:ln w="28575">
+              <a:solidFill>
+                <a:srgbClr val="00B050"/>
+              </a:solidFill>
+            </a:ln>
+          </p:spPr>
+          <p:style>
+            <a:lnRef idx="1">
+              <a:schemeClr val="accent1"/>
+            </a:lnRef>
+            <a:fillRef idx="0">
+              <a:schemeClr val="accent1"/>
+            </a:fillRef>
+            <a:effectRef idx="0">
+              <a:schemeClr val="accent1"/>
+            </a:effectRef>
+            <a:fontRef idx="minor">
+              <a:schemeClr val="tx1"/>
+            </a:fontRef>
+          </p:style>
+        </p:cxnSp>
+        <p:cxnSp>
+          <p:nvCxnSpPr>
+            <p:cNvPr id="91" name="Straight Connector 90">
+              <a:extLst>
+                <a:ext uri="{FF2B5EF4-FFF2-40B4-BE49-F238E27FC236}">
+                  <a16:creationId xmlns:a16="http://schemas.microsoft.com/office/drawing/2014/main" id="{1DDE33CD-343B-85F4-B62D-FDDCAB17A9F6}"/>
+                </a:ext>
+              </a:extLst>
+            </p:cNvPr>
+            <p:cNvCxnSpPr/>
+            <p:nvPr/>
+          </p:nvCxnSpPr>
+          <p:spPr>
+            <a:xfrm>
+              <a:off x="5210007" y="-842643"/>
+              <a:ext cx="407638" cy="0"/>
+            </a:xfrm>
+            <a:prstGeom prst="line">
+              <a:avLst/>
+            </a:prstGeom>
+            <a:ln w="28575">
+              <a:solidFill>
+                <a:srgbClr val="92D050"/>
+              </a:solidFill>
+            </a:ln>
+          </p:spPr>
+          <p:style>
+            <a:lnRef idx="1">
+              <a:schemeClr val="accent1"/>
+            </a:lnRef>
+            <a:fillRef idx="0">
+              <a:schemeClr val="accent1"/>
+            </a:fillRef>
+            <a:effectRef idx="0">
+              <a:schemeClr val="accent1"/>
+            </a:effectRef>
+            <a:fontRef idx="minor">
+              <a:schemeClr val="tx1"/>
+            </a:fontRef>
+          </p:style>
+        </p:cxnSp>
+        <p:cxnSp>
+          <p:nvCxnSpPr>
+            <p:cNvPr id="94" name="Straight Arrow Connector 93">
+              <a:extLst>
+                <a:ext uri="{FF2B5EF4-FFF2-40B4-BE49-F238E27FC236}">
+                  <a16:creationId xmlns:a16="http://schemas.microsoft.com/office/drawing/2014/main" id="{71EB0B34-BA60-93DD-B8A9-741E07B597B5}"/>
+                </a:ext>
+              </a:extLst>
+            </p:cNvPr>
+            <p:cNvCxnSpPr>
+              <a:cxnSpLocks/>
+            </p:cNvCxnSpPr>
+            <p:nvPr/>
+          </p:nvCxnSpPr>
+          <p:spPr>
+            <a:xfrm>
+              <a:off x="4802370" y="-499474"/>
+              <a:ext cx="1101333" cy="0"/>
+            </a:xfrm>
+            <a:prstGeom prst="straightConnector1">
+              <a:avLst/>
+            </a:prstGeom>
+            <a:ln>
+              <a:solidFill>
+                <a:schemeClr val="tx1"/>
+              </a:solidFill>
+              <a:tailEnd type="triangle"/>
+            </a:ln>
+          </p:spPr>
+          <p:style>
+            <a:lnRef idx="1">
+              <a:schemeClr val="accent1"/>
+            </a:lnRef>
+            <a:fillRef idx="0">
+              <a:schemeClr val="accent1"/>
+            </a:fillRef>
+            <a:effectRef idx="0">
+              <a:schemeClr val="accent1"/>
+            </a:effectRef>
+            <a:fontRef idx="minor">
+              <a:schemeClr val="tx1"/>
+            </a:fontRef>
+          </p:style>
+        </p:cxnSp>
+        <p:cxnSp>
+          <p:nvCxnSpPr>
+            <p:cNvPr id="95" name="Straight Arrow Connector 94">
+              <a:extLst>
+                <a:ext uri="{FF2B5EF4-FFF2-40B4-BE49-F238E27FC236}">
+                  <a16:creationId xmlns:a16="http://schemas.microsoft.com/office/drawing/2014/main" id="{F6195EDC-33F0-0552-4342-4CF370F8AA6E}"/>
+                </a:ext>
+              </a:extLst>
+            </p:cNvPr>
+            <p:cNvCxnSpPr>
+              <a:cxnSpLocks/>
+            </p:cNvCxnSpPr>
+            <p:nvPr/>
+          </p:nvCxnSpPr>
+          <p:spPr>
+            <a:xfrm>
+              <a:off x="4802370" y="-299170"/>
+              <a:ext cx="968235" cy="0"/>
+            </a:xfrm>
+            <a:prstGeom prst="straightConnector1">
+              <a:avLst/>
+            </a:prstGeom>
+            <a:ln>
+              <a:solidFill>
+                <a:schemeClr val="tx1"/>
+              </a:solidFill>
+              <a:tailEnd type="triangle"/>
+            </a:ln>
+          </p:spPr>
+          <p:style>
+            <a:lnRef idx="1">
+              <a:schemeClr val="accent1"/>
+            </a:lnRef>
+            <a:fillRef idx="0">
+              <a:schemeClr val="accent1"/>
+            </a:fillRef>
+            <a:effectRef idx="0">
+              <a:schemeClr val="accent1"/>
+            </a:effectRef>
+            <a:fontRef idx="minor">
+              <a:schemeClr val="tx1"/>
+            </a:fontRef>
+          </p:style>
+        </p:cxnSp>
+        <p:cxnSp>
+          <p:nvCxnSpPr>
+            <p:cNvPr id="96" name="Straight Arrow Connector 95">
+              <a:extLst>
+                <a:ext uri="{FF2B5EF4-FFF2-40B4-BE49-F238E27FC236}">
+                  <a16:creationId xmlns:a16="http://schemas.microsoft.com/office/drawing/2014/main" id="{32CC05B6-819B-905C-0565-31AB256D26DE}"/>
+                </a:ext>
+              </a:extLst>
+            </p:cNvPr>
+            <p:cNvCxnSpPr/>
+            <p:nvPr/>
+          </p:nvCxnSpPr>
+          <p:spPr>
+            <a:xfrm>
+              <a:off x="4802369" y="-1089981"/>
+              <a:ext cx="230276" cy="0"/>
+            </a:xfrm>
+            <a:prstGeom prst="straightConnector1">
+              <a:avLst/>
+            </a:prstGeom>
+            <a:ln>
+              <a:solidFill>
+                <a:schemeClr val="tx1"/>
+              </a:solidFill>
+              <a:tailEnd type="triangle"/>
+            </a:ln>
+          </p:spPr>
+          <p:style>
+            <a:lnRef idx="1">
+              <a:schemeClr val="accent1"/>
+            </a:lnRef>
+            <a:fillRef idx="0">
+              <a:schemeClr val="accent1"/>
+            </a:fillRef>
+            <a:effectRef idx="0">
+              <a:schemeClr val="accent1"/>
+            </a:effectRef>
+            <a:fontRef idx="minor">
+              <a:schemeClr val="tx1"/>
+            </a:fontRef>
+          </p:style>
+        </p:cxnSp>
+        <p:cxnSp>
+          <p:nvCxnSpPr>
+            <p:cNvPr id="97" name="Straight Arrow Connector 96">
+              <a:extLst>
+                <a:ext uri="{FF2B5EF4-FFF2-40B4-BE49-F238E27FC236}">
+                  <a16:creationId xmlns:a16="http://schemas.microsoft.com/office/drawing/2014/main" id="{BB78D53B-7319-A9CC-5251-93165837863D}"/>
+                </a:ext>
+              </a:extLst>
+            </p:cNvPr>
+            <p:cNvCxnSpPr/>
+            <p:nvPr/>
+          </p:nvCxnSpPr>
+          <p:spPr>
+            <a:xfrm>
+              <a:off x="4802369" y="-888282"/>
+              <a:ext cx="230276" cy="0"/>
+            </a:xfrm>
+            <a:prstGeom prst="straightConnector1">
+              <a:avLst/>
+            </a:prstGeom>
+            <a:ln>
+              <a:solidFill>
+                <a:schemeClr val="tx1"/>
+              </a:solidFill>
+              <a:tailEnd type="triangle"/>
+            </a:ln>
+          </p:spPr>
+          <p:style>
+            <a:lnRef idx="1">
+              <a:schemeClr val="accent1"/>
+            </a:lnRef>
+            <a:fillRef idx="0">
+              <a:schemeClr val="accent1"/>
+            </a:fillRef>
+            <a:effectRef idx="0">
+              <a:schemeClr val="accent1"/>
+            </a:effectRef>
+            <a:fontRef idx="minor">
+              <a:schemeClr val="tx1"/>
+            </a:fontRef>
+          </p:style>
+        </p:cxnSp>
+        <p:cxnSp>
+          <p:nvCxnSpPr>
+            <p:cNvPr id="103" name="Straight Arrow Connector 102">
+              <a:extLst>
+                <a:ext uri="{FF2B5EF4-FFF2-40B4-BE49-F238E27FC236}">
+                  <a16:creationId xmlns:a16="http://schemas.microsoft.com/office/drawing/2014/main" id="{D9669CB9-83AE-7E88-12DF-1D85942AE78C}"/>
+                </a:ext>
+              </a:extLst>
+            </p:cNvPr>
+            <p:cNvCxnSpPr>
+              <a:cxnSpLocks/>
+            </p:cNvCxnSpPr>
+            <p:nvPr/>
+          </p:nvCxnSpPr>
+          <p:spPr>
+            <a:xfrm flipH="1" flipV="1">
+              <a:off x="5380928" y="-793873"/>
+              <a:ext cx="230276" cy="0"/>
+            </a:xfrm>
+            <a:prstGeom prst="straightConnector1">
+              <a:avLst/>
+            </a:prstGeom>
+            <a:ln>
+              <a:solidFill>
+                <a:schemeClr val="tx1"/>
+              </a:solidFill>
+              <a:tailEnd type="triangle"/>
+            </a:ln>
+          </p:spPr>
+          <p:style>
+            <a:lnRef idx="1">
+              <a:schemeClr val="accent1"/>
+            </a:lnRef>
+            <a:fillRef idx="0">
+              <a:schemeClr val="accent1"/>
+            </a:fillRef>
+            <a:effectRef idx="0">
+              <a:schemeClr val="accent1"/>
+            </a:effectRef>
+            <a:fontRef idx="minor">
+              <a:schemeClr val="tx1"/>
+            </a:fontRef>
+          </p:style>
+        </p:cxnSp>
+        <p:cxnSp>
+          <p:nvCxnSpPr>
+            <p:cNvPr id="104" name="Straight Arrow Connector 103">
+              <a:extLst>
+                <a:ext uri="{FF2B5EF4-FFF2-40B4-BE49-F238E27FC236}">
+                  <a16:creationId xmlns:a16="http://schemas.microsoft.com/office/drawing/2014/main" id="{C8909DCF-082C-FDFC-4E34-533FBF85569C}"/>
+                </a:ext>
+              </a:extLst>
+            </p:cNvPr>
+            <p:cNvCxnSpPr>
+              <a:cxnSpLocks/>
+            </p:cNvCxnSpPr>
+            <p:nvPr/>
+          </p:nvCxnSpPr>
+          <p:spPr>
+            <a:xfrm flipH="1" flipV="1">
+              <a:off x="5380928" y="-998850"/>
+              <a:ext cx="230276" cy="0"/>
+            </a:xfrm>
+            <a:prstGeom prst="straightConnector1">
+              <a:avLst/>
+            </a:prstGeom>
+            <a:ln>
+              <a:solidFill>
+                <a:schemeClr val="tx1"/>
+              </a:solidFill>
+              <a:tailEnd type="triangle"/>
+            </a:ln>
+          </p:spPr>
+          <p:style>
+            <a:lnRef idx="1">
+              <a:schemeClr val="accent1"/>
+            </a:lnRef>
+            <a:fillRef idx="0">
+              <a:schemeClr val="accent1"/>
+            </a:fillRef>
+            <a:effectRef idx="0">
+              <a:schemeClr val="accent1"/>
+            </a:effectRef>
+            <a:fontRef idx="minor">
+              <a:schemeClr val="tx1"/>
+            </a:fontRef>
+          </p:style>
+        </p:cxnSp>
+        <p:cxnSp>
+          <p:nvCxnSpPr>
+            <p:cNvPr id="105" name="Straight Connector 104">
+              <a:extLst>
+                <a:ext uri="{FF2B5EF4-FFF2-40B4-BE49-F238E27FC236}">
+                  <a16:creationId xmlns:a16="http://schemas.microsoft.com/office/drawing/2014/main" id="{4DDAE2E6-1EE2-1552-27C4-61EBA02530D6}"/>
+                </a:ext>
+              </a:extLst>
+            </p:cNvPr>
+            <p:cNvCxnSpPr/>
+            <p:nvPr/>
+          </p:nvCxnSpPr>
+          <p:spPr>
+            <a:xfrm>
+              <a:off x="5617645" y="-260898"/>
+              <a:ext cx="407638" cy="0"/>
+            </a:xfrm>
+            <a:prstGeom prst="line">
+              <a:avLst/>
+            </a:prstGeom>
+            <a:ln w="28575">
+              <a:solidFill>
+                <a:srgbClr val="00B050"/>
+              </a:solidFill>
+            </a:ln>
+          </p:spPr>
+          <p:style>
+            <a:lnRef idx="1">
+              <a:schemeClr val="accent1"/>
+            </a:lnRef>
+            <a:fillRef idx="0">
+              <a:schemeClr val="accent1"/>
+            </a:fillRef>
+            <a:effectRef idx="0">
+              <a:schemeClr val="accent1"/>
+            </a:effectRef>
+            <a:fontRef idx="minor">
+              <a:schemeClr val="tx1"/>
+            </a:fontRef>
+          </p:style>
+        </p:cxnSp>
+      </p:grpSp>
+      <p:sp>
+        <p:nvSpPr>
+          <p:cNvPr id="108" name="Right Arrow 107">
+            <a:extLst>
+              <a:ext uri="{FF2B5EF4-FFF2-40B4-BE49-F238E27FC236}">
+                <a16:creationId xmlns:a16="http://schemas.microsoft.com/office/drawing/2014/main" id="{13372F62-AF26-5426-0D27-38B872F9AA52}"/>
+              </a:ext>
+            </a:extLst>
+          </p:cNvPr>
+          <p:cNvSpPr/>
+          <p:nvPr/>
+        </p:nvSpPr>
+        <p:spPr>
+          <a:xfrm rot="1800000">
+            <a:off x="4526333" y="1207744"/>
+            <a:ext cx="466124" cy="213301"/>
+          </a:xfrm>
+          <a:prstGeom prst="rightArrow">
+            <a:avLst/>
+          </a:prstGeom>
+          <a:solidFill>
+            <a:schemeClr val="tx1"/>
+          </a:solidFill>
+          <a:ln>
+            <a:noFill/>
+          </a:ln>
+        </p:spPr>
+        <p:style>
+          <a:lnRef idx="2">
+            <a:schemeClr val="accent1">
+              <a:shade val="50000"/>
+            </a:schemeClr>
+          </a:lnRef>
+          <a:fillRef idx="1">
+            <a:schemeClr val="accent1"/>
+          </a:fillRef>
+          <a:effectRef idx="0">
+            <a:schemeClr val="accent1"/>
+          </a:effectRef>
+          <a:fontRef idx="minor">
+            <a:schemeClr val="lt1"/>
+          </a:fontRef>
+        </p:style>
+        <p:txBody>
+          <a:bodyPr rtlCol="0" anchor="ctr"/>
+          <a:lstStyle/>
+          <a:p>
+            <a:pPr algn="ctr"/>
+            <a:endParaRPr lang="en-US"/>
           </a:p>
         </p:txBody>
       </p:sp>
